--- a/16-Anova pre-requisit/16-Roudaut-test-normality-45min.pptx
+++ b/16-Anova pre-requisit/16-Roudaut-test-normality-45min.pptx
@@ -366,14 +366,14 @@
           </a:ln>
           <a:extLst>
             <a:ext uri="{909E8E84-426E-40dd-AFC4-6F175D3DCCD1}">
-              <a14:hiddenFill xmlns="" xmlns:a14="http://schemas.microsoft.com/office/drawing/2010/main">
+              <a14:hiddenFill xmlns:a14="http://schemas.microsoft.com/office/drawing/2010/main" xmlns="">
                 <a:solidFill>
                   <a:srgbClr val="FFFFFF"/>
                 </a:solidFill>
               </a14:hiddenFill>
             </a:ext>
             <a:ext uri="{FAA26D3D-D897-4be2-8F04-BA451C77F1D7}">
-              <ma14:placeholderFlag xmlns="" xmlns:ma14="http://schemas.microsoft.com/office/mac/drawingml/2011/main" val="1"/>
+              <ma14:placeholderFlag xmlns:ma14="http://schemas.microsoft.com/office/mac/drawingml/2011/main" xmlns="" val="1"/>
             </a:ext>
           </a:extLst>
         </p:spPr>
@@ -1522,14 +1522,14 @@
           <a:ln/>
           <a:extLst>
             <a:ext uri="{909E8E84-426E-40dd-AFC4-6F175D3DCCD1}">
-              <a14:hiddenFill xmlns="" xmlns:a14="http://schemas.microsoft.com/office/drawing/2010/main">
+              <a14:hiddenFill xmlns:a14="http://schemas.microsoft.com/office/drawing/2010/main" xmlns="">
                 <a:solidFill>
                   <a:srgbClr val="FFFFFF"/>
                 </a:solidFill>
               </a14:hiddenFill>
             </a:ext>
             <a:ext uri="{91240B29-F687-4f45-9708-019B960494DF}">
-              <a14:hiddenLine xmlns="" xmlns:a14="http://schemas.microsoft.com/office/drawing/2010/main" w="9525">
+              <a14:hiddenLine xmlns:a14="http://schemas.microsoft.com/office/drawing/2010/main" xmlns="" w="9525">
                 <a:solidFill>
                   <a:srgbClr val="000000"/>
                 </a:solidFill>
@@ -1539,7 +1539,7 @@
               </a14:hiddenLine>
             </a:ext>
             <a:ext uri="{FAA26D3D-D897-4be2-8F04-BA451C77F1D7}">
-              <ma14:placeholderFlag xmlns="" xmlns:ma14="http://schemas.microsoft.com/office/mac/drawingml/2011/main" val="1"/>
+              <ma14:placeholderFlag xmlns:ma14="http://schemas.microsoft.com/office/mac/drawingml/2011/main" xmlns="" val="1"/>
             </a:ext>
           </a:extLst>
         </p:spPr>
@@ -2185,14 +2185,14 @@
           </a:ln>
           <a:extLst>
             <a:ext uri="{909E8E84-426E-40dd-AFC4-6F175D3DCCD1}">
-              <a14:hiddenFill xmlns="" xmlns:a14="http://schemas.microsoft.com/office/drawing/2010/main">
+              <a14:hiddenFill xmlns:a14="http://schemas.microsoft.com/office/drawing/2010/main" xmlns="">
                 <a:solidFill>
                   <a:srgbClr val="FFFFFF"/>
                 </a:solidFill>
               </a14:hiddenFill>
             </a:ext>
             <a:ext uri="{91240B29-F687-4f45-9708-019B960494DF}">
-              <a14:hiddenLine xmlns="" xmlns:a14="http://schemas.microsoft.com/office/drawing/2010/main" w="9525">
+              <a14:hiddenLine xmlns:a14="http://schemas.microsoft.com/office/drawing/2010/main" xmlns="" w="9525">
                 <a:solidFill>
                   <a:srgbClr val="000000"/>
                 </a:solidFill>
@@ -2202,7 +2202,7 @@
               </a14:hiddenLine>
             </a:ext>
             <a:ext uri="{FAA26D3D-D897-4be2-8F04-BA451C77F1D7}">
-              <ma14:placeholderFlag xmlns="" xmlns:ma14="http://schemas.microsoft.com/office/mac/drawingml/2011/main" val="1"/>
+              <ma14:placeholderFlag xmlns:ma14="http://schemas.microsoft.com/office/mac/drawingml/2011/main" xmlns="" val="1"/>
             </a:ext>
           </a:extLst>
         </p:spPr>
@@ -2246,14 +2246,14 @@
           </a:ln>
           <a:extLst>
             <a:ext uri="{909E8E84-426E-40dd-AFC4-6F175D3DCCD1}">
-              <a14:hiddenFill xmlns="" xmlns:a14="http://schemas.microsoft.com/office/drawing/2010/main">
+              <a14:hiddenFill xmlns:a14="http://schemas.microsoft.com/office/drawing/2010/main" xmlns="">
                 <a:solidFill>
                   <a:srgbClr val="FFFFFF"/>
                 </a:solidFill>
               </a14:hiddenFill>
             </a:ext>
             <a:ext uri="{91240B29-F687-4f45-9708-019B960494DF}">
-              <a14:hiddenLine xmlns="" xmlns:a14="http://schemas.microsoft.com/office/drawing/2010/main" w="9525">
+              <a14:hiddenLine xmlns:a14="http://schemas.microsoft.com/office/drawing/2010/main" xmlns="" w="9525">
                 <a:solidFill>
                   <a:srgbClr val="000000"/>
                 </a:solidFill>
@@ -2263,7 +2263,7 @@
               </a14:hiddenLine>
             </a:ext>
             <a:ext uri="{FAA26D3D-D897-4be2-8F04-BA451C77F1D7}">
-              <ma14:placeholderFlag xmlns="" xmlns:ma14="http://schemas.microsoft.com/office/mac/drawingml/2011/main" val="1"/>
+              <ma14:placeholderFlag xmlns:ma14="http://schemas.microsoft.com/office/mac/drawingml/2011/main" xmlns="" val="1"/>
             </a:ext>
           </a:extLst>
         </p:spPr>
@@ -2817,14 +2817,14 @@
           </a:ln>
           <a:extLst>
             <a:ext uri="{909E8E84-426E-40dd-AFC4-6F175D3DCCD1}">
-              <a14:hiddenFill xmlns="" xmlns:a14="http://schemas.microsoft.com/office/drawing/2010/main">
+              <a14:hiddenFill xmlns:a14="http://schemas.microsoft.com/office/drawing/2010/main" xmlns="">
                 <a:solidFill>
                   <a:srgbClr val="FFFFFF"/>
                 </a:solidFill>
               </a14:hiddenFill>
             </a:ext>
             <a:ext uri="{91240B29-F687-4f45-9708-019B960494DF}">
-              <a14:hiddenLine xmlns="" xmlns:a14="http://schemas.microsoft.com/office/drawing/2010/main" w="9525">
+              <a14:hiddenLine xmlns:a14="http://schemas.microsoft.com/office/drawing/2010/main" xmlns="" w="9525">
                 <a:solidFill>
                   <a:srgbClr val="000000"/>
                 </a:solidFill>
@@ -3106,14 +3106,14 @@
           </a:ln>
           <a:extLst>
             <a:ext uri="{909E8E84-426E-40dd-AFC4-6F175D3DCCD1}">
-              <a14:hiddenFill xmlns="" xmlns:a14="http://schemas.microsoft.com/office/drawing/2010/main">
+              <a14:hiddenFill xmlns:a14="http://schemas.microsoft.com/office/drawing/2010/main" xmlns="">
                 <a:solidFill>
                   <a:srgbClr val="FFFFFF"/>
                 </a:solidFill>
               </a14:hiddenFill>
             </a:ext>
             <a:ext uri="{91240B29-F687-4f45-9708-019B960494DF}">
-              <a14:hiddenLine xmlns="" xmlns:a14="http://schemas.microsoft.com/office/drawing/2010/main" w="12700">
+              <a14:hiddenLine xmlns:a14="http://schemas.microsoft.com/office/drawing/2010/main" xmlns="" w="12700">
                 <a:solidFill>
                   <a:schemeClr val="tx1"/>
                 </a:solidFill>
@@ -3231,7 +3231,7 @@
           </a:ln>
           <a:extLst>
             <a:ext uri="{909E8E84-426E-40dd-AFC4-6F175D3DCCD1}">
-              <a14:hiddenFill xmlns="" xmlns:a14="http://schemas.microsoft.com/office/drawing/2010/main">
+              <a14:hiddenFill xmlns:a14="http://schemas.microsoft.com/office/drawing/2010/main" xmlns="">
                 <a:solidFill>
                   <a:srgbClr val="FFFFFF"/>
                 </a:solidFill>
@@ -3337,14 +3337,14 @@
           </a:ln>
           <a:extLst>
             <a:ext uri="{909E8E84-426E-40dd-AFC4-6F175D3DCCD1}">
-              <a14:hiddenFill xmlns:a14="http://schemas.microsoft.com/office/drawing/2010/main" xmlns="">
+              <a14:hiddenFill xmlns="" xmlns:a14="http://schemas.microsoft.com/office/drawing/2010/main">
                 <a:solidFill>
                   <a:srgbClr val="FFFFFF"/>
                 </a:solidFill>
               </a14:hiddenFill>
             </a:ext>
             <a:ext uri="{91240B29-F687-4f45-9708-019B960494DF}">
-              <a14:hiddenLine xmlns:a14="http://schemas.microsoft.com/office/drawing/2010/main" xmlns="" w="9525">
+              <a14:hiddenLine xmlns="" xmlns:a14="http://schemas.microsoft.com/office/drawing/2010/main" w="9525">
                 <a:solidFill>
                   <a:srgbClr val="000000"/>
                 </a:solidFill>
@@ -3354,7 +3354,7 @@
               </a14:hiddenLine>
             </a:ext>
             <a:ext uri="{FAA26D3D-D897-4be2-8F04-BA451C77F1D7}">
-              <ma14:placeholderFlag xmlns:ma14="http://schemas.microsoft.com/office/mac/drawingml/2011/main" xmlns="" val="1"/>
+              <ma14:placeholderFlag xmlns="" xmlns:ma14="http://schemas.microsoft.com/office/mac/drawingml/2011/main" val="1"/>
             </a:ext>
           </a:extLst>
         </p:spPr>
@@ -3657,14 +3657,14 @@
           </a:ln>
           <a:extLst>
             <a:ext uri="{909E8E84-426E-40dd-AFC4-6F175D3DCCD1}">
-              <a14:hiddenFill xmlns:a14="http://schemas.microsoft.com/office/drawing/2010/main" xmlns="">
+              <a14:hiddenFill xmlns="" xmlns:a14="http://schemas.microsoft.com/office/drawing/2010/main">
                 <a:solidFill>
                   <a:srgbClr val="FFFFFF"/>
                 </a:solidFill>
               </a14:hiddenFill>
             </a:ext>
             <a:ext uri="{91240B29-F687-4f45-9708-019B960494DF}">
-              <a14:hiddenLine xmlns:a14="http://schemas.microsoft.com/office/drawing/2010/main" xmlns="" w="9525">
+              <a14:hiddenLine xmlns="" xmlns:a14="http://schemas.microsoft.com/office/drawing/2010/main" w="9525">
                 <a:solidFill>
                   <a:srgbClr val="000000"/>
                 </a:solidFill>
@@ -3674,7 +3674,7 @@
               </a14:hiddenLine>
             </a:ext>
             <a:ext uri="{FAA26D3D-D897-4be2-8F04-BA451C77F1D7}">
-              <ma14:placeholderFlag xmlns:ma14="http://schemas.microsoft.com/office/mac/drawingml/2011/main" xmlns="" val="1"/>
+              <ma14:placeholderFlag xmlns="" xmlns:ma14="http://schemas.microsoft.com/office/mac/drawingml/2011/main" val="1"/>
             </a:ext>
           </a:extLst>
         </p:spPr>
@@ -3903,14 +3903,14 @@
           </a:ln>
           <a:extLst>
             <a:ext uri="{909E8E84-426E-40dd-AFC4-6F175D3DCCD1}">
-              <a14:hiddenFill xmlns:a14="http://schemas.microsoft.com/office/drawing/2010/main" xmlns="">
+              <a14:hiddenFill xmlns="" xmlns:a14="http://schemas.microsoft.com/office/drawing/2010/main">
                 <a:solidFill>
                   <a:srgbClr val="FFFFFF"/>
                 </a:solidFill>
               </a14:hiddenFill>
             </a:ext>
             <a:ext uri="{91240B29-F687-4f45-9708-019B960494DF}">
-              <a14:hiddenLine xmlns:a14="http://schemas.microsoft.com/office/drawing/2010/main" xmlns="" w="9525">
+              <a14:hiddenLine xmlns="" xmlns:a14="http://schemas.microsoft.com/office/drawing/2010/main" w="9525">
                 <a:solidFill>
                   <a:srgbClr val="000000"/>
                 </a:solidFill>
@@ -3920,7 +3920,7 @@
               </a14:hiddenLine>
             </a:ext>
             <a:ext uri="{FAA26D3D-D897-4be2-8F04-BA451C77F1D7}">
-              <ma14:placeholderFlag xmlns:ma14="http://schemas.microsoft.com/office/mac/drawingml/2011/main" xmlns="" val="1"/>
+              <ma14:placeholderFlag xmlns="" xmlns:ma14="http://schemas.microsoft.com/office/mac/drawingml/2011/main" val="1"/>
             </a:ext>
           </a:extLst>
         </p:spPr>
@@ -4153,14 +4153,14 @@
           </a:ln>
           <a:extLst>
             <a:ext uri="{909E8E84-426E-40dd-AFC4-6F175D3DCCD1}">
-              <a14:hiddenFill xmlns:a14="http://schemas.microsoft.com/office/drawing/2010/main" xmlns="">
+              <a14:hiddenFill xmlns="" xmlns:a14="http://schemas.microsoft.com/office/drawing/2010/main">
                 <a:solidFill>
                   <a:srgbClr val="FFFFFF"/>
                 </a:solidFill>
               </a14:hiddenFill>
             </a:ext>
             <a:ext uri="{91240B29-F687-4f45-9708-019B960494DF}">
-              <a14:hiddenLine xmlns:a14="http://schemas.microsoft.com/office/drawing/2010/main" xmlns="" w="9525">
+              <a14:hiddenLine xmlns="" xmlns:a14="http://schemas.microsoft.com/office/drawing/2010/main" w="9525">
                 <a:solidFill>
                   <a:srgbClr val="000000"/>
                 </a:solidFill>
@@ -4170,7 +4170,7 @@
               </a14:hiddenLine>
             </a:ext>
             <a:ext uri="{FAA26D3D-D897-4be2-8F04-BA451C77F1D7}">
-              <ma14:placeholderFlag xmlns:ma14="http://schemas.microsoft.com/office/mac/drawingml/2011/main" xmlns="" val="1"/>
+              <ma14:placeholderFlag xmlns="" xmlns:ma14="http://schemas.microsoft.com/office/mac/drawingml/2011/main" val="1"/>
             </a:ext>
           </a:extLst>
         </p:spPr>
@@ -4460,14 +4460,14 @@
           </a:ln>
           <a:extLst>
             <a:ext uri="{909E8E84-426E-40dd-AFC4-6F175D3DCCD1}">
-              <a14:hiddenFill xmlns:a14="http://schemas.microsoft.com/office/drawing/2010/main" xmlns="">
+              <a14:hiddenFill xmlns="" xmlns:a14="http://schemas.microsoft.com/office/drawing/2010/main">
                 <a:solidFill>
                   <a:srgbClr val="FFFFFF"/>
                 </a:solidFill>
               </a14:hiddenFill>
             </a:ext>
             <a:ext uri="{91240B29-F687-4f45-9708-019B960494DF}">
-              <a14:hiddenLine xmlns:a14="http://schemas.microsoft.com/office/drawing/2010/main" xmlns="" w="9525">
+              <a14:hiddenLine xmlns="" xmlns:a14="http://schemas.microsoft.com/office/drawing/2010/main" w="9525">
                 <a:solidFill>
                   <a:srgbClr val="000000"/>
                 </a:solidFill>
@@ -4477,7 +4477,7 @@
               </a14:hiddenLine>
             </a:ext>
             <a:ext uri="{FAA26D3D-D897-4be2-8F04-BA451C77F1D7}">
-              <ma14:placeholderFlag xmlns:ma14="http://schemas.microsoft.com/office/mac/drawingml/2011/main" xmlns="" val="1"/>
+              <ma14:placeholderFlag xmlns="" xmlns:ma14="http://schemas.microsoft.com/office/mac/drawingml/2011/main" val="1"/>
             </a:ext>
           </a:extLst>
         </p:spPr>
@@ -4839,7 +4839,7 @@
             </a:ln>
             <a:extLst>
               <a:ext uri="{91240B29-F687-4f45-9708-019B960494DF}">
-                <a14:hiddenLine xmlns:a14="http://schemas.microsoft.com/office/drawing/2010/main" xmlns="" w="9525">
+                <a14:hiddenLine xmlns="" xmlns:a14="http://schemas.microsoft.com/office/drawing/2010/main" w="9525">
                   <a:solidFill>
                     <a:srgbClr val="000000"/>
                   </a:solidFill>
@@ -4890,14 +4890,14 @@
             </a:ln>
             <a:extLst>
               <a:ext uri="{909E8E84-426E-40dd-AFC4-6F175D3DCCD1}">
-                <a14:hiddenFill xmlns:a14="http://schemas.microsoft.com/office/drawing/2010/main" xmlns="">
+                <a14:hiddenFill xmlns="" xmlns:a14="http://schemas.microsoft.com/office/drawing/2010/main">
                   <a:solidFill>
                     <a:srgbClr val="FFFFFF"/>
                   </a:solidFill>
                 </a14:hiddenFill>
               </a:ext>
               <a:ext uri="{91240B29-F687-4f45-9708-019B960494DF}">
-                <a14:hiddenLine xmlns:a14="http://schemas.microsoft.com/office/drawing/2010/main" xmlns="" w="9525">
+                <a14:hiddenLine xmlns="" xmlns:a14="http://schemas.microsoft.com/office/drawing/2010/main" w="9525">
                   <a:solidFill>
                     <a:srgbClr val="000000"/>
                   </a:solidFill>
@@ -5554,14 +5554,14 @@
           </a:ln>
           <a:extLst>
             <a:ext uri="{909E8E84-426E-40dd-AFC4-6F175D3DCCD1}">
-              <a14:hiddenFill xmlns:a14="http://schemas.microsoft.com/office/drawing/2010/main" xmlns="">
+              <a14:hiddenFill xmlns="" xmlns:a14="http://schemas.microsoft.com/office/drawing/2010/main">
                 <a:solidFill>
                   <a:srgbClr val="FFFFFF"/>
                 </a:solidFill>
               </a14:hiddenFill>
             </a:ext>
             <a:ext uri="{91240B29-F687-4f45-9708-019B960494DF}">
-              <a14:hiddenLine xmlns:a14="http://schemas.microsoft.com/office/drawing/2010/main" xmlns="" w="9525">
+              <a14:hiddenLine xmlns="" xmlns:a14="http://schemas.microsoft.com/office/drawing/2010/main" w="9525">
                 <a:solidFill>
                   <a:srgbClr val="000000"/>
                 </a:solidFill>
@@ -5571,7 +5571,7 @@
               </a14:hiddenLine>
             </a:ext>
             <a:ext uri="{FAA26D3D-D897-4be2-8F04-BA451C77F1D7}">
-              <ma14:placeholderFlag xmlns:ma14="http://schemas.microsoft.com/office/mac/drawingml/2011/main" xmlns="" val="1"/>
+              <ma14:placeholderFlag xmlns="" xmlns:ma14="http://schemas.microsoft.com/office/mac/drawingml/2011/main" val="1"/>
             </a:ext>
           </a:extLst>
         </p:spPr>
@@ -5942,14 +5942,14 @@
           </a:ln>
           <a:extLst>
             <a:ext uri="{909E8E84-426E-40dd-AFC4-6F175D3DCCD1}">
-              <a14:hiddenFill xmlns:a14="http://schemas.microsoft.com/office/drawing/2010/main" xmlns="">
+              <a14:hiddenFill xmlns="" xmlns:a14="http://schemas.microsoft.com/office/drawing/2010/main">
                 <a:solidFill>
                   <a:srgbClr val="FFFFFF"/>
                 </a:solidFill>
               </a14:hiddenFill>
             </a:ext>
             <a:ext uri="{91240B29-F687-4f45-9708-019B960494DF}">
-              <a14:hiddenLine xmlns:a14="http://schemas.microsoft.com/office/drawing/2010/main" xmlns="" w="9525">
+              <a14:hiddenLine xmlns="" xmlns:a14="http://schemas.microsoft.com/office/drawing/2010/main" w="9525">
                 <a:solidFill>
                   <a:srgbClr val="000000"/>
                 </a:solidFill>
@@ -5959,7 +5959,7 @@
               </a14:hiddenLine>
             </a:ext>
             <a:ext uri="{FAA26D3D-D897-4be2-8F04-BA451C77F1D7}">
-              <ma14:placeholderFlag xmlns:ma14="http://schemas.microsoft.com/office/mac/drawingml/2011/main" xmlns="" val="1"/>
+              <ma14:placeholderFlag xmlns="" xmlns:ma14="http://schemas.microsoft.com/office/mac/drawingml/2011/main" val="1"/>
             </a:ext>
           </a:extLst>
         </p:spPr>
@@ -6218,14 +6218,14 @@
           </a:ln>
           <a:extLst>
             <a:ext uri="{909E8E84-426E-40dd-AFC4-6F175D3DCCD1}">
-              <a14:hiddenFill xmlns:a14="http://schemas.microsoft.com/office/drawing/2010/main" xmlns="">
+              <a14:hiddenFill xmlns="" xmlns:a14="http://schemas.microsoft.com/office/drawing/2010/main">
                 <a:solidFill>
                   <a:srgbClr val="FFFFFF"/>
                 </a:solidFill>
               </a14:hiddenFill>
             </a:ext>
             <a:ext uri="{91240B29-F687-4f45-9708-019B960494DF}">
-              <a14:hiddenLine xmlns:a14="http://schemas.microsoft.com/office/drawing/2010/main" xmlns="" w="9525">
+              <a14:hiddenLine xmlns="" xmlns:a14="http://schemas.microsoft.com/office/drawing/2010/main" w="9525">
                 <a:solidFill>
                   <a:srgbClr val="000000"/>
                 </a:solidFill>
@@ -6235,7 +6235,7 @@
               </a14:hiddenLine>
             </a:ext>
             <a:ext uri="{FAA26D3D-D897-4be2-8F04-BA451C77F1D7}">
-              <ma14:placeholderFlag xmlns:ma14="http://schemas.microsoft.com/office/mac/drawingml/2011/main" xmlns="" val="1"/>
+              <ma14:placeholderFlag xmlns="" xmlns:ma14="http://schemas.microsoft.com/office/mac/drawingml/2011/main" val="1"/>
             </a:ext>
           </a:extLst>
         </p:spPr>
@@ -6586,14 +6586,14 @@
           </a:ln>
           <a:extLst>
             <a:ext uri="{909E8E84-426E-40dd-AFC4-6F175D3DCCD1}">
-              <a14:hiddenFill xmlns:a14="http://schemas.microsoft.com/office/drawing/2010/main" xmlns="">
+              <a14:hiddenFill xmlns="" xmlns:a14="http://schemas.microsoft.com/office/drawing/2010/main">
                 <a:solidFill>
                   <a:srgbClr val="FFFFFF"/>
                 </a:solidFill>
               </a14:hiddenFill>
             </a:ext>
             <a:ext uri="{91240B29-F687-4f45-9708-019B960494DF}">
-              <a14:hiddenLine xmlns:a14="http://schemas.microsoft.com/office/drawing/2010/main" xmlns="" w="9525">
+              <a14:hiddenLine xmlns="" xmlns:a14="http://schemas.microsoft.com/office/drawing/2010/main" w="9525">
                 <a:solidFill>
                   <a:srgbClr val="000000"/>
                 </a:solidFill>
@@ -6603,7 +6603,7 @@
               </a14:hiddenLine>
             </a:ext>
             <a:ext uri="{FAA26D3D-D897-4be2-8F04-BA451C77F1D7}">
-              <ma14:placeholderFlag xmlns:ma14="http://schemas.microsoft.com/office/mac/drawingml/2011/main" xmlns="" val="1"/>
+              <ma14:placeholderFlag xmlns="" xmlns:ma14="http://schemas.microsoft.com/office/mac/drawingml/2011/main" val="1"/>
             </a:ext>
           </a:extLst>
         </p:spPr>
@@ -6974,14 +6974,14 @@
           </a:ln>
           <a:extLst>
             <a:ext uri="{909E8E84-426E-40dd-AFC4-6F175D3DCCD1}">
-              <a14:hiddenFill xmlns:a14="http://schemas.microsoft.com/office/drawing/2010/main" xmlns="">
+              <a14:hiddenFill xmlns="" xmlns:a14="http://schemas.microsoft.com/office/drawing/2010/main">
                 <a:solidFill>
                   <a:srgbClr val="FFFFFF"/>
                 </a:solidFill>
               </a14:hiddenFill>
             </a:ext>
             <a:ext uri="{91240B29-F687-4f45-9708-019B960494DF}">
-              <a14:hiddenLine xmlns:a14="http://schemas.microsoft.com/office/drawing/2010/main" xmlns="" w="9525">
+              <a14:hiddenLine xmlns="" xmlns:a14="http://schemas.microsoft.com/office/drawing/2010/main" w="9525">
                 <a:solidFill>
                   <a:srgbClr val="000000"/>
                 </a:solidFill>
@@ -6991,7 +6991,7 @@
               </a14:hiddenLine>
             </a:ext>
             <a:ext uri="{FAA26D3D-D897-4be2-8F04-BA451C77F1D7}">
-              <ma14:placeholderFlag xmlns:ma14="http://schemas.microsoft.com/office/mac/drawingml/2011/main" xmlns="" val="1"/>
+              <ma14:placeholderFlag xmlns="" xmlns:ma14="http://schemas.microsoft.com/office/mac/drawingml/2011/main" val="1"/>
             </a:ext>
           </a:extLst>
         </p:spPr>
@@ -7210,14 +7210,14 @@
             </a:ln>
             <a:extLst>
               <a:ext uri="{909E8E84-426E-40dd-AFC4-6F175D3DCCD1}">
-                <a14:hiddenFill xmlns:a14="http://schemas.microsoft.com/office/drawing/2010/main" xmlns="">
+                <a14:hiddenFill xmlns="" xmlns:a14="http://schemas.microsoft.com/office/drawing/2010/main">
                   <a:solidFill>
                     <a:srgbClr val="FFFFFF"/>
                   </a:solidFill>
                 </a14:hiddenFill>
               </a:ext>
               <a:ext uri="{91240B29-F687-4f45-9708-019B960494DF}">
-                <a14:hiddenLine xmlns:a14="http://schemas.microsoft.com/office/drawing/2010/main" xmlns="" w="9525">
+                <a14:hiddenLine xmlns="" xmlns:a14="http://schemas.microsoft.com/office/drawing/2010/main" w="9525">
                   <a:solidFill>
                     <a:srgbClr val="000000"/>
                   </a:solidFill>
@@ -7227,7 +7227,7 @@
                 </a14:hiddenLine>
               </a:ext>
               <a:ext uri="{FAA26D3D-D897-4be2-8F04-BA451C77F1D7}">
-                <ma14:placeholderFlag xmlns:ma14="http://schemas.microsoft.com/office/mac/drawingml/2011/main" xmlns="" val="1"/>
+                <ma14:placeholderFlag xmlns="" xmlns:ma14="http://schemas.microsoft.com/office/mac/drawingml/2011/main" val="1"/>
               </a:ext>
             </a:extLst>
           </p:spPr>
@@ -12772,14 +12772,14 @@
           </a:ln>
           <a:extLst>
             <a:ext uri="{909E8E84-426E-40dd-AFC4-6F175D3DCCD1}">
-              <a14:hiddenFill xmlns:a14="http://schemas.microsoft.com/office/drawing/2010/main" xmlns="">
+              <a14:hiddenFill xmlns="" xmlns:a14="http://schemas.microsoft.com/office/drawing/2010/main">
                 <a:solidFill>
                   <a:srgbClr val="FFFFFF"/>
                 </a:solidFill>
               </a14:hiddenFill>
             </a:ext>
             <a:ext uri="{91240B29-F687-4f45-9708-019B960494DF}">
-              <a14:hiddenLine xmlns:a14="http://schemas.microsoft.com/office/drawing/2010/main" xmlns="" w="9525">
+              <a14:hiddenLine xmlns="" xmlns:a14="http://schemas.microsoft.com/office/drawing/2010/main" w="9525">
                 <a:solidFill>
                   <a:srgbClr val="000000"/>
                 </a:solidFill>
@@ -12789,7 +12789,7 @@
               </a14:hiddenLine>
             </a:ext>
             <a:ext uri="{FAA26D3D-D897-4be2-8F04-BA451C77F1D7}">
-              <ma14:placeholderFlag xmlns:ma14="http://schemas.microsoft.com/office/mac/drawingml/2011/main" xmlns="" val="1"/>
+              <ma14:placeholderFlag xmlns="" xmlns:ma14="http://schemas.microsoft.com/office/mac/drawingml/2011/main" val="1"/>
             </a:ext>
           </a:extLst>
         </p:spPr>
@@ -13182,14 +13182,14 @@
           </a:ln>
           <a:extLst>
             <a:ext uri="{909E8E84-426E-40dd-AFC4-6F175D3DCCD1}">
-              <a14:hiddenFill xmlns:a14="http://schemas.microsoft.com/office/drawing/2010/main" xmlns="">
+              <a14:hiddenFill xmlns="" xmlns:a14="http://schemas.microsoft.com/office/drawing/2010/main">
                 <a:solidFill>
                   <a:srgbClr val="FFFFFF"/>
                 </a:solidFill>
               </a14:hiddenFill>
             </a:ext>
             <a:ext uri="{91240B29-F687-4f45-9708-019B960494DF}">
-              <a14:hiddenLine xmlns:a14="http://schemas.microsoft.com/office/drawing/2010/main" xmlns="" w="9525">
+              <a14:hiddenLine xmlns="" xmlns:a14="http://schemas.microsoft.com/office/drawing/2010/main" w="9525">
                 <a:solidFill>
                   <a:srgbClr val="000000"/>
                 </a:solidFill>
@@ -13199,7 +13199,7 @@
               </a14:hiddenLine>
             </a:ext>
             <a:ext uri="{FAA26D3D-D897-4be2-8F04-BA451C77F1D7}">
-              <ma14:placeholderFlag xmlns:ma14="http://schemas.microsoft.com/office/mac/drawingml/2011/main" xmlns="" val="1"/>
+              <ma14:placeholderFlag xmlns="" xmlns:ma14="http://schemas.microsoft.com/office/mac/drawingml/2011/main" val="1"/>
             </a:ext>
           </a:extLst>
         </p:spPr>
@@ -13843,14 +13843,14 @@
           </a:ln>
           <a:extLst>
             <a:ext uri="{909E8E84-426E-40dd-AFC4-6F175D3DCCD1}">
-              <a14:hiddenFill xmlns:a14="http://schemas.microsoft.com/office/drawing/2010/main" xmlns="">
+              <a14:hiddenFill xmlns="" xmlns:a14="http://schemas.microsoft.com/office/drawing/2010/main">
                 <a:solidFill>
                   <a:srgbClr val="FFFFFF"/>
                 </a:solidFill>
               </a14:hiddenFill>
             </a:ext>
             <a:ext uri="{91240B29-F687-4f45-9708-019B960494DF}">
-              <a14:hiddenLine xmlns:a14="http://schemas.microsoft.com/office/drawing/2010/main" xmlns="" w="9525">
+              <a14:hiddenLine xmlns="" xmlns:a14="http://schemas.microsoft.com/office/drawing/2010/main" w="9525">
                 <a:solidFill>
                   <a:srgbClr val="000000"/>
                 </a:solidFill>
@@ -13860,7 +13860,7 @@
               </a14:hiddenLine>
             </a:ext>
             <a:ext uri="{FAA26D3D-D897-4be2-8F04-BA451C77F1D7}">
-              <ma14:placeholderFlag xmlns:ma14="http://schemas.microsoft.com/office/mac/drawingml/2011/main" xmlns="" val="1"/>
+              <ma14:placeholderFlag xmlns="" xmlns:ma14="http://schemas.microsoft.com/office/mac/drawingml/2011/main" val="1"/>
             </a:ext>
           </a:extLst>
         </p:spPr>
@@ -14653,7 +14653,7 @@
           </a:ln>
           <a:extLst>
             <a:ext uri="{91240B29-F687-4f45-9708-019B960494DF}">
-              <a14:hiddenLine xmlns:a14="http://schemas.microsoft.com/office/drawing/2010/main" xmlns="" w="9525">
+              <a14:hiddenLine xmlns="" xmlns:a14="http://schemas.microsoft.com/office/drawing/2010/main" w="9525">
                 <a:solidFill>
                   <a:srgbClr val="000000"/>
                 </a:solidFill>
@@ -15912,7 +15912,7 @@
             </a:ln>
             <a:extLst>
               <a:ext uri="{91240B29-F687-4f45-9708-019B960494DF}">
-                <a14:hiddenLine xmlns:a14="http://schemas.microsoft.com/office/drawing/2010/main" xmlns="" w="9525">
+                <a14:hiddenLine xmlns="" xmlns:a14="http://schemas.microsoft.com/office/drawing/2010/main" w="9525">
                   <a:solidFill>
                     <a:srgbClr val="000000"/>
                   </a:solidFill>
@@ -15963,14 +15963,14 @@
             </a:ln>
             <a:extLst>
               <a:ext uri="{909E8E84-426E-40dd-AFC4-6F175D3DCCD1}">
-                <a14:hiddenFill xmlns:a14="http://schemas.microsoft.com/office/drawing/2010/main" xmlns="">
+                <a14:hiddenFill xmlns="" xmlns:a14="http://schemas.microsoft.com/office/drawing/2010/main">
                   <a:solidFill>
                     <a:srgbClr val="FFFFFF"/>
                   </a:solidFill>
                 </a14:hiddenFill>
               </a:ext>
               <a:ext uri="{91240B29-F687-4f45-9708-019B960494DF}">
-                <a14:hiddenLine xmlns:a14="http://schemas.microsoft.com/office/drawing/2010/main" xmlns="" w="9525">
+                <a14:hiddenLine xmlns="" xmlns:a14="http://schemas.microsoft.com/office/drawing/2010/main" w="9525">
                   <a:solidFill>
                     <a:srgbClr val="000000"/>
                   </a:solidFill>
@@ -22235,14 +22235,14 @@
           </a:ln>
           <a:extLst>
             <a:ext uri="{909E8E84-426E-40dd-AFC4-6F175D3DCCD1}">
-              <a14:hiddenFill xmlns:a14="http://schemas.microsoft.com/office/drawing/2010/main" xmlns="">
+              <a14:hiddenFill xmlns="" xmlns:a14="http://schemas.microsoft.com/office/drawing/2010/main">
                 <a:solidFill>
                   <a:srgbClr val="FFFFFF"/>
                 </a:solidFill>
               </a14:hiddenFill>
             </a:ext>
             <a:ext uri="{91240B29-F687-4f45-9708-019B960494DF}">
-              <a14:hiddenLine xmlns:a14="http://schemas.microsoft.com/office/drawing/2010/main" xmlns="" w="9525">
+              <a14:hiddenLine xmlns="" xmlns:a14="http://schemas.microsoft.com/office/drawing/2010/main" w="9525">
                 <a:solidFill>
                   <a:srgbClr val="000000"/>
                 </a:solidFill>
@@ -22252,7 +22252,7 @@
               </a14:hiddenLine>
             </a:ext>
             <a:ext uri="{FAA26D3D-D897-4be2-8F04-BA451C77F1D7}">
-              <ma14:placeholderFlag xmlns:ma14="http://schemas.microsoft.com/office/mac/drawingml/2011/main" xmlns="" val="1"/>
+              <ma14:placeholderFlag xmlns="" xmlns:ma14="http://schemas.microsoft.com/office/mac/drawingml/2011/main" val="1"/>
             </a:ext>
           </a:extLst>
         </p:spPr>
@@ -22475,14 +22475,14 @@
             </a:ln>
             <a:extLst>
               <a:ext uri="{909E8E84-426E-40dd-AFC4-6F175D3DCCD1}">
-                <a14:hiddenFill xmlns:a14="http://schemas.microsoft.com/office/drawing/2010/main" xmlns="">
+                <a14:hiddenFill xmlns="" xmlns:a14="http://schemas.microsoft.com/office/drawing/2010/main">
                   <a:solidFill>
                     <a:srgbClr val="FFFFFF"/>
                   </a:solidFill>
                 </a14:hiddenFill>
               </a:ext>
               <a:ext uri="{91240B29-F687-4f45-9708-019B960494DF}">
-                <a14:hiddenLine xmlns:a14="http://schemas.microsoft.com/office/drawing/2010/main" xmlns="" w="9525">
+                <a14:hiddenLine xmlns="" xmlns:a14="http://schemas.microsoft.com/office/drawing/2010/main" w="9525">
                   <a:solidFill>
                     <a:srgbClr val="000000"/>
                   </a:solidFill>
@@ -22492,7 +22492,7 @@
                 </a14:hiddenLine>
               </a:ext>
               <a:ext uri="{FAA26D3D-D897-4be2-8F04-BA451C77F1D7}">
-                <ma14:placeholderFlag xmlns:ma14="http://schemas.microsoft.com/office/mac/drawingml/2011/main" xmlns="" val="1"/>
+                <ma14:placeholderFlag xmlns="" xmlns:ma14="http://schemas.microsoft.com/office/mac/drawingml/2011/main" val="1"/>
               </a:ext>
             </a:extLst>
           </p:spPr>
@@ -22736,14 +22736,14 @@
           </a:ln>
           <a:extLst>
             <a:ext uri="{909E8E84-426E-40dd-AFC4-6F175D3DCCD1}">
-              <a14:hiddenFill xmlns:a14="http://schemas.microsoft.com/office/drawing/2010/main" xmlns="">
+              <a14:hiddenFill xmlns="" xmlns:a14="http://schemas.microsoft.com/office/drawing/2010/main">
                 <a:solidFill>
                   <a:srgbClr val="FFFFFF"/>
                 </a:solidFill>
               </a14:hiddenFill>
             </a:ext>
             <a:ext uri="{91240B29-F687-4f45-9708-019B960494DF}">
-              <a14:hiddenLine xmlns:a14="http://schemas.microsoft.com/office/drawing/2010/main" xmlns="" w="9525">
+              <a14:hiddenLine xmlns="" xmlns:a14="http://schemas.microsoft.com/office/drawing/2010/main" w="9525">
                 <a:solidFill>
                   <a:srgbClr val="000000"/>
                 </a:solidFill>
@@ -22753,7 +22753,7 @@
               </a14:hiddenLine>
             </a:ext>
             <a:ext uri="{FAA26D3D-D897-4be2-8F04-BA451C77F1D7}">
-              <ma14:placeholderFlag xmlns:ma14="http://schemas.microsoft.com/office/mac/drawingml/2011/main" xmlns="" val="1"/>
+              <ma14:placeholderFlag xmlns="" xmlns:ma14="http://schemas.microsoft.com/office/mac/drawingml/2011/main" val="1"/>
             </a:ext>
           </a:extLst>
         </p:spPr>
@@ -23335,14 +23335,14 @@
             </a:ln>
             <a:extLst>
               <a:ext uri="{909E8E84-426E-40dd-AFC4-6F175D3DCCD1}">
-                <a14:hiddenFill xmlns:a14="http://schemas.microsoft.com/office/drawing/2010/main" xmlns="">
+                <a14:hiddenFill xmlns="" xmlns:a14="http://schemas.microsoft.com/office/drawing/2010/main">
                   <a:solidFill>
                     <a:srgbClr val="FFFFFF"/>
                   </a:solidFill>
                 </a14:hiddenFill>
               </a:ext>
               <a:ext uri="{91240B29-F687-4f45-9708-019B960494DF}">
-                <a14:hiddenLine xmlns:a14="http://schemas.microsoft.com/office/drawing/2010/main" xmlns="" w="9525">
+                <a14:hiddenLine xmlns="" xmlns:a14="http://schemas.microsoft.com/office/drawing/2010/main" w="9525">
                   <a:solidFill>
                     <a:srgbClr val="000000"/>
                   </a:solidFill>
@@ -23352,7 +23352,7 @@
                 </a14:hiddenLine>
               </a:ext>
               <a:ext uri="{FAA26D3D-D897-4be2-8F04-BA451C77F1D7}">
-                <ma14:placeholderFlag xmlns:ma14="http://schemas.microsoft.com/office/mac/drawingml/2011/main" xmlns="" val="1"/>
+                <ma14:placeholderFlag xmlns="" xmlns:ma14="http://schemas.microsoft.com/office/mac/drawingml/2011/main" val="1"/>
               </a:ext>
             </a:extLst>
           </p:spPr>
@@ -23949,14 +23949,14 @@
           </a:ln>
           <a:extLst>
             <a:ext uri="{909E8E84-426E-40dd-AFC4-6F175D3DCCD1}">
-              <a14:hiddenFill xmlns:a14="http://schemas.microsoft.com/office/drawing/2010/main" xmlns="">
+              <a14:hiddenFill xmlns="" xmlns:a14="http://schemas.microsoft.com/office/drawing/2010/main">
                 <a:solidFill>
                   <a:srgbClr val="FFFFFF"/>
                 </a:solidFill>
               </a14:hiddenFill>
             </a:ext>
             <a:ext uri="{91240B29-F687-4f45-9708-019B960494DF}">
-              <a14:hiddenLine xmlns:a14="http://schemas.microsoft.com/office/drawing/2010/main" xmlns="" w="9525">
+              <a14:hiddenLine xmlns="" xmlns:a14="http://schemas.microsoft.com/office/drawing/2010/main" w="9525">
                 <a:solidFill>
                   <a:srgbClr val="000000"/>
                 </a:solidFill>
@@ -23966,7 +23966,7 @@
               </a14:hiddenLine>
             </a:ext>
             <a:ext uri="{FAA26D3D-D897-4be2-8F04-BA451C77F1D7}">
-              <ma14:placeholderFlag xmlns:ma14="http://schemas.microsoft.com/office/mac/drawingml/2011/main" xmlns="" val="1"/>
+              <ma14:placeholderFlag xmlns="" xmlns:ma14="http://schemas.microsoft.com/office/mac/drawingml/2011/main" val="1"/>
             </a:ext>
           </a:extLst>
         </p:spPr>
@@ -25070,14 +25070,14 @@
           </a:ln>
           <a:extLst>
             <a:ext uri="{909E8E84-426E-40dd-AFC4-6F175D3DCCD1}">
-              <a14:hiddenFill xmlns:a14="http://schemas.microsoft.com/office/drawing/2010/main" xmlns="">
+              <a14:hiddenFill xmlns="" xmlns:a14="http://schemas.microsoft.com/office/drawing/2010/main">
                 <a:solidFill>
                   <a:srgbClr val="FFFFFF"/>
                 </a:solidFill>
               </a14:hiddenFill>
             </a:ext>
             <a:ext uri="{91240B29-F687-4f45-9708-019B960494DF}">
-              <a14:hiddenLine xmlns:a14="http://schemas.microsoft.com/office/drawing/2010/main" xmlns="" w="9525">
+              <a14:hiddenLine xmlns="" xmlns:a14="http://schemas.microsoft.com/office/drawing/2010/main" w="9525">
                 <a:solidFill>
                   <a:srgbClr val="000000"/>
                 </a:solidFill>
@@ -25087,7 +25087,7 @@
               </a14:hiddenLine>
             </a:ext>
             <a:ext uri="{FAA26D3D-D897-4be2-8F04-BA451C77F1D7}">
-              <ma14:placeholderFlag xmlns:ma14="http://schemas.microsoft.com/office/mac/drawingml/2011/main" xmlns="" val="1"/>
+              <ma14:placeholderFlag xmlns="" xmlns:ma14="http://schemas.microsoft.com/office/mac/drawingml/2011/main" val="1"/>
             </a:ext>
           </a:extLst>
         </p:spPr>
@@ -25352,14 +25352,14 @@
           </a:ln>
           <a:extLst>
             <a:ext uri="{909E8E84-426E-40dd-AFC4-6F175D3DCCD1}">
-              <a14:hiddenFill xmlns:a14="http://schemas.microsoft.com/office/drawing/2010/main" xmlns="">
+              <a14:hiddenFill xmlns="" xmlns:a14="http://schemas.microsoft.com/office/drawing/2010/main">
                 <a:solidFill>
                   <a:srgbClr val="FFFFFF"/>
                 </a:solidFill>
               </a14:hiddenFill>
             </a:ext>
             <a:ext uri="{91240B29-F687-4f45-9708-019B960494DF}">
-              <a14:hiddenLine xmlns:a14="http://schemas.microsoft.com/office/drawing/2010/main" xmlns="" w="9525">
+              <a14:hiddenLine xmlns="" xmlns:a14="http://schemas.microsoft.com/office/drawing/2010/main" w="9525">
                 <a:solidFill>
                   <a:srgbClr val="000000"/>
                 </a:solidFill>
@@ -25369,7 +25369,7 @@
               </a14:hiddenLine>
             </a:ext>
             <a:ext uri="{FAA26D3D-D897-4be2-8F04-BA451C77F1D7}">
-              <ma14:placeholderFlag xmlns:ma14="http://schemas.microsoft.com/office/mac/drawingml/2011/main" xmlns="" val="1"/>
+              <ma14:placeholderFlag xmlns="" xmlns:ma14="http://schemas.microsoft.com/office/mac/drawingml/2011/main" val="1"/>
             </a:ext>
           </a:extLst>
         </p:spPr>
@@ -25721,14 +25721,14 @@
           </a:ln>
           <a:extLst>
             <a:ext uri="{909E8E84-426E-40dd-AFC4-6F175D3DCCD1}">
-              <a14:hiddenFill xmlns:a14="http://schemas.microsoft.com/office/drawing/2010/main" xmlns="">
+              <a14:hiddenFill xmlns="" xmlns:a14="http://schemas.microsoft.com/office/drawing/2010/main">
                 <a:solidFill>
                   <a:srgbClr val="FFFFFF"/>
                 </a:solidFill>
               </a14:hiddenFill>
             </a:ext>
             <a:ext uri="{91240B29-F687-4f45-9708-019B960494DF}">
-              <a14:hiddenLine xmlns:a14="http://schemas.microsoft.com/office/drawing/2010/main" xmlns="" w="9525">
+              <a14:hiddenLine xmlns="" xmlns:a14="http://schemas.microsoft.com/office/drawing/2010/main" w="9525">
                 <a:solidFill>
                   <a:srgbClr val="000000"/>
                 </a:solidFill>
@@ -25738,7 +25738,7 @@
               </a14:hiddenLine>
             </a:ext>
             <a:ext uri="{FAA26D3D-D897-4be2-8F04-BA451C77F1D7}">
-              <ma14:placeholderFlag xmlns:ma14="http://schemas.microsoft.com/office/mac/drawingml/2011/main" xmlns="" val="1"/>
+              <ma14:placeholderFlag xmlns="" xmlns:ma14="http://schemas.microsoft.com/office/mac/drawingml/2011/main" val="1"/>
             </a:ext>
           </a:extLst>
         </p:spPr>
@@ -27469,14 +27469,14 @@
           </a:ln>
           <a:extLst>
             <a:ext uri="{909E8E84-426E-40dd-AFC4-6F175D3DCCD1}">
-              <a14:hiddenFill xmlns:a14="http://schemas.microsoft.com/office/drawing/2010/main" xmlns="">
+              <a14:hiddenFill xmlns="" xmlns:a14="http://schemas.microsoft.com/office/drawing/2010/main">
                 <a:solidFill>
                   <a:srgbClr val="FFFFFF"/>
                 </a:solidFill>
               </a14:hiddenFill>
             </a:ext>
             <a:ext uri="{91240B29-F687-4f45-9708-019B960494DF}">
-              <a14:hiddenLine xmlns:a14="http://schemas.microsoft.com/office/drawing/2010/main" xmlns="" w="9525">
+              <a14:hiddenLine xmlns="" xmlns:a14="http://schemas.microsoft.com/office/drawing/2010/main" w="9525">
                 <a:solidFill>
                   <a:srgbClr val="000000"/>
                 </a:solidFill>
@@ -27486,7 +27486,7 @@
               </a14:hiddenLine>
             </a:ext>
             <a:ext uri="{FAA26D3D-D897-4be2-8F04-BA451C77F1D7}">
-              <ma14:placeholderFlag xmlns:ma14="http://schemas.microsoft.com/office/mac/drawingml/2011/main" xmlns="" val="1"/>
+              <ma14:placeholderFlag xmlns="" xmlns:ma14="http://schemas.microsoft.com/office/mac/drawingml/2011/main" val="1"/>
             </a:ext>
           </a:extLst>
         </p:spPr>
@@ -35174,7 +35174,7 @@
           </a:ln>
           <a:extLst>
             <a:ext uri="{91240B29-F687-4f45-9708-019B960494DF}">
-              <a14:hiddenLine xmlns:a14="http://schemas.microsoft.com/office/drawing/2010/main" xmlns="" w="9525">
+              <a14:hiddenLine xmlns="" xmlns:a14="http://schemas.microsoft.com/office/drawing/2010/main" w="9525">
                 <a:solidFill>
                   <a:srgbClr val="000000"/>
                 </a:solidFill>
@@ -36004,7 +36004,7 @@
           </a:ln>
           <a:extLst>
             <a:ext uri="{91240B29-F687-4f45-9708-019B960494DF}">
-              <a14:hiddenLine xmlns:a14="http://schemas.microsoft.com/office/drawing/2010/main" xmlns="" w="9525">
+              <a14:hiddenLine xmlns="" xmlns:a14="http://schemas.microsoft.com/office/drawing/2010/main" w="9525">
                 <a:solidFill>
                   <a:srgbClr val="000000"/>
                 </a:solidFill>
